--- a/Presentations/AI - Bayes.pptx
+++ b/Presentations/AI - Bayes.pptx
@@ -198,7 +198,7 @@
           <a:p>
             <a:fld id="{FAF957FC-5175-49AC-8D2B-2F056FFFC1DD}" type="datetimeFigureOut">
               <a:rPr lang="en-US" smtClean="0"/>
-              <a:t>11/2/2017</a:t>
+              <a:t>11/11/2017</a:t>
             </a:fld>
             <a:endParaRPr lang="en-US"/>
           </a:p>
@@ -648,7 +648,7 @@
             <a:fld id="{1D8BD707-D9CF-40AE-B4C6-C98DA3205C09}" type="datetimeFigureOut">
               <a:rPr lang="en-US" smtClean="0"/>
               <a:pPr/>
-              <a:t>11/2/2017</a:t>
+              <a:t>11/11/2017</a:t>
             </a:fld>
             <a:endParaRPr lang="en-US"/>
           </a:p>
@@ -815,7 +815,7 @@
             <a:fld id="{1D8BD707-D9CF-40AE-B4C6-C98DA3205C09}" type="datetimeFigureOut">
               <a:rPr lang="en-US" smtClean="0"/>
               <a:pPr/>
-              <a:t>11/2/2017</a:t>
+              <a:t>11/11/2017</a:t>
             </a:fld>
             <a:endParaRPr lang="en-US"/>
           </a:p>
@@ -992,7 +992,7 @@
             <a:fld id="{1D8BD707-D9CF-40AE-B4C6-C98DA3205C09}" type="datetimeFigureOut">
               <a:rPr lang="en-US" smtClean="0"/>
               <a:pPr/>
-              <a:t>11/2/2017</a:t>
+              <a:t>11/11/2017</a:t>
             </a:fld>
             <a:endParaRPr lang="en-US"/>
           </a:p>
@@ -1159,7 +1159,7 @@
             <a:fld id="{1D8BD707-D9CF-40AE-B4C6-C98DA3205C09}" type="datetimeFigureOut">
               <a:rPr lang="en-US" smtClean="0"/>
               <a:pPr/>
-              <a:t>11/2/2017</a:t>
+              <a:t>11/11/2017</a:t>
             </a:fld>
             <a:endParaRPr lang="en-US"/>
           </a:p>
@@ -1402,7 +1402,7 @@
             <a:fld id="{1D8BD707-D9CF-40AE-B4C6-C98DA3205C09}" type="datetimeFigureOut">
               <a:rPr lang="en-US" smtClean="0"/>
               <a:pPr/>
-              <a:t>11/2/2017</a:t>
+              <a:t>11/11/2017</a:t>
             </a:fld>
             <a:endParaRPr lang="en-US"/>
           </a:p>
@@ -1687,7 +1687,7 @@
             <a:fld id="{1D8BD707-D9CF-40AE-B4C6-C98DA3205C09}" type="datetimeFigureOut">
               <a:rPr lang="en-US" smtClean="0"/>
               <a:pPr/>
-              <a:t>11/2/2017</a:t>
+              <a:t>11/11/2017</a:t>
             </a:fld>
             <a:endParaRPr lang="en-US"/>
           </a:p>
@@ -2106,7 +2106,7 @@
             <a:fld id="{1D8BD707-D9CF-40AE-B4C6-C98DA3205C09}" type="datetimeFigureOut">
               <a:rPr lang="en-US" smtClean="0"/>
               <a:pPr/>
-              <a:t>11/2/2017</a:t>
+              <a:t>11/11/2017</a:t>
             </a:fld>
             <a:endParaRPr lang="en-US"/>
           </a:p>
@@ -2221,7 +2221,7 @@
             <a:fld id="{1D8BD707-D9CF-40AE-B4C6-C98DA3205C09}" type="datetimeFigureOut">
               <a:rPr lang="en-US" smtClean="0"/>
               <a:pPr/>
-              <a:t>11/2/2017</a:t>
+              <a:t>11/11/2017</a:t>
             </a:fld>
             <a:endParaRPr lang="en-US"/>
           </a:p>
@@ -2313,7 +2313,7 @@
             <a:fld id="{1D8BD707-D9CF-40AE-B4C6-C98DA3205C09}" type="datetimeFigureOut">
               <a:rPr lang="en-US" smtClean="0"/>
               <a:pPr/>
-              <a:t>11/2/2017</a:t>
+              <a:t>11/11/2017</a:t>
             </a:fld>
             <a:endParaRPr lang="en-US"/>
           </a:p>
@@ -2587,7 +2587,7 @@
             <a:fld id="{1D8BD707-D9CF-40AE-B4C6-C98DA3205C09}" type="datetimeFigureOut">
               <a:rPr lang="en-US" smtClean="0"/>
               <a:pPr/>
-              <a:t>11/2/2017</a:t>
+              <a:t>11/11/2017</a:t>
             </a:fld>
             <a:endParaRPr lang="en-US"/>
           </a:p>
@@ -2837,7 +2837,7 @@
             <a:fld id="{1D8BD707-D9CF-40AE-B4C6-C98DA3205C09}" type="datetimeFigureOut">
               <a:rPr lang="en-US" smtClean="0"/>
               <a:pPr/>
-              <a:t>11/2/2017</a:t>
+              <a:t>11/11/2017</a:t>
             </a:fld>
             <a:endParaRPr lang="en-US"/>
           </a:p>
@@ -3047,7 +3047,7 @@
             <a:fld id="{1D8BD707-D9CF-40AE-B4C6-C98DA3205C09}" type="datetimeFigureOut">
               <a:rPr lang="en-US" smtClean="0"/>
               <a:pPr/>
-              <a:t>11/2/2017</a:t>
+              <a:t>11/11/2017</a:t>
             </a:fld>
             <a:endParaRPr lang="en-US"/>
           </a:p>
@@ -3436,15 +3436,16 @@
           <a:lstStyle/>
           <a:p>
             <a:r>
+              <a:rPr lang="en-US" smtClean="0"/>
+              <a:t>Artificial </a:t>
+            </a:r>
+            <a:r>
+              <a:rPr lang="en-US" smtClean="0"/>
+              <a:t>Intelligence</a:t>
+            </a:r>
+            <a:r>
               <a:rPr lang="en-US" dirty="0" smtClean="0"/>
-              <a:t>Artificial Intelligence</a:t>
-            </a:r>
-            <a:br>
-              <a:rPr lang="en-US" dirty="0" smtClean="0"/>
-            </a:br>
-            <a:r>
-              <a:rPr lang="en-US" dirty="0" smtClean="0"/>
-              <a:t>Training</a:t>
+              <a:t/>
             </a:r>
             <a:br>
               <a:rPr lang="en-US" dirty="0" smtClean="0"/>
@@ -7663,15 +7664,7 @@
           <a:p>
             <a:r>
               <a:rPr lang="en-US" dirty="0" smtClean="0"/>
-              <a:t>P(words) = The probability that a sequence of words is </a:t>
-            </a:r>
-            <a:r>
-              <a:rPr lang="en-US" dirty="0" smtClean="0"/>
-              <a:t>in a message </a:t>
-            </a:r>
-            <a:r>
-              <a:rPr lang="en-US" dirty="0" smtClean="0"/>
-              <a:t>(you have won).</a:t>
+              <a:t>P(words) = The probability that a sequence of words is in a message (you have won).</a:t>
             </a:r>
           </a:p>
           <a:p>
@@ -7709,11 +7702,7 @@
             </a:r>
             <a:r>
               <a:rPr lang="en-US" dirty="0" smtClean="0"/>
-              <a:t>                              of words</a:t>
-            </a:r>
-            <a:r>
-              <a:rPr lang="en-US" dirty="0" smtClean="0"/>
-              <a:t>.</a:t>
+              <a:t>                              of words.</a:t>
             </a:r>
           </a:p>
           <a:p>
@@ -7813,17 +7802,7 @@
                   </a:schemeClr>
                 </a:solidFill>
               </a:rPr>
-              <a:t> hav</a:t>
-            </a:r>
-            <a:r>
-              <a:rPr lang="en-US" sz="1200" dirty="0" smtClean="0">
-                <a:solidFill>
-                  <a:schemeClr val="accent6">
-                    <a:lumMod val="50000"/>
-                  </a:schemeClr>
-                </a:solidFill>
-              </a:rPr>
-              <a:t>e won) = ( 0.015 * 0.05 ) / 0.001</a:t>
+              <a:t> have won) = ( 0.015 * 0.05 ) / 0.001</a:t>
             </a:r>
             <a:r>
               <a:rPr lang="en-US" sz="1200" smtClean="0">
